--- a/Team 35. JDBC/jdbc.pptx
+++ b/Team 35. JDBC/jdbc.pptx
@@ -3782,6 +3782,150 @@
               </a:rPr>
               <a:t>JDBC</a:t>
             </a:r>
+          </a:p>
+        </p:txBody>
+      </p:sp>
+      <p:sp>
+        <p:nvSpPr>
+          <p:cNvPr id="3" name="Text 0">
+            <a:extLst>
+              <a:ext uri="{FF2B5EF4-FFF2-40B4-BE49-F238E27FC236}">
+                <a16:creationId xmlns:a16="http://schemas.microsoft.com/office/drawing/2014/main" id="{8E177E42-13B3-51BE-07C8-2DFCE18F1768}"/>
+              </a:ext>
+            </a:extLst>
+          </p:cNvPr>
+          <p:cNvSpPr/>
+          <p:nvPr/>
+        </p:nvSpPr>
+        <p:spPr>
+          <a:xfrm>
+            <a:off x="10094521" y="5135301"/>
+            <a:ext cx="1757955" cy="1334947"/>
+          </a:xfrm>
+          <a:prstGeom prst="rect">
+            <a:avLst/>
+          </a:prstGeom>
+          <a:noFill/>
+          <a:ln/>
+        </p:spPr>
+        <p:txBody>
+          <a:bodyPr wrap="square" lIns="0" tIns="0" rIns="0" bIns="0" rtlCol="0" anchor="t"/>
+          <a:lstStyle/>
+          <a:p>
+            <a:r>
+              <a:rPr lang="ru-RU" sz="2000" dirty="0" smtClean="0">
+                <a:solidFill>
+                  <a:schemeClr val="bg2">
+                    <a:lumMod val="10000"/>
+                  </a:schemeClr>
+                </a:solidFill>
+                <a:latin typeface="Bahnschrift SemiBold" panose="020B0502040204020203" pitchFamily="34" charset="0"/>
+                <a:ea typeface="Instrument Sans Semi Bold" pitchFamily="34" charset="-122"/>
+                <a:cs typeface="Instrument Sans Semi Bold" pitchFamily="34" charset="-120"/>
+              </a:rPr>
+              <a:t>Выполнили</a:t>
+            </a:r>
+            <a:r>
+              <a:rPr lang="en-US" sz="2000" dirty="0" smtClean="0">
+                <a:solidFill>
+                  <a:schemeClr val="bg2">
+                    <a:lumMod val="10000"/>
+                  </a:schemeClr>
+                </a:solidFill>
+                <a:latin typeface="Bahnschrift SemiBold" panose="020B0502040204020203" pitchFamily="34" charset="0"/>
+                <a:ea typeface="Instrument Sans Semi Bold" pitchFamily="34" charset="-122"/>
+                <a:cs typeface="Instrument Sans Semi Bold" pitchFamily="34" charset="-120"/>
+              </a:rPr>
+              <a:t>:</a:t>
+            </a:r>
+            <a:endParaRPr lang="ru-RU" sz="2000" dirty="0" smtClean="0">
+              <a:solidFill>
+                <a:schemeClr val="bg2">
+                  <a:lumMod val="10000"/>
+                </a:schemeClr>
+              </a:solidFill>
+              <a:latin typeface="Bahnschrift SemiBold" panose="020B0502040204020203" pitchFamily="34" charset="0"/>
+              <a:ea typeface="Instrument Sans Semi Bold" pitchFamily="34" charset="-122"/>
+              <a:cs typeface="Instrument Sans Semi Bold" pitchFamily="34" charset="-120"/>
+            </a:endParaRPr>
+          </a:p>
+          <a:p>
+            <a:endParaRPr lang="en-US" sz="2000" dirty="0" smtClean="0">
+              <a:solidFill>
+                <a:schemeClr val="bg2">
+                  <a:lumMod val="10000"/>
+                </a:schemeClr>
+              </a:solidFill>
+              <a:latin typeface="Bahnschrift SemiBold" panose="020B0502040204020203" pitchFamily="34" charset="0"/>
+              <a:ea typeface="Instrument Sans Semi Bold" pitchFamily="34" charset="-122"/>
+              <a:cs typeface="Instrument Sans Semi Bold" pitchFamily="34" charset="-120"/>
+            </a:endParaRPr>
+          </a:p>
+          <a:p>
+            <a:r>
+              <a:rPr lang="ru-RU" sz="2000" dirty="0" smtClean="0">
+                <a:solidFill>
+                  <a:schemeClr val="bg2">
+                    <a:lumMod val="10000"/>
+                  </a:schemeClr>
+                </a:solidFill>
+                <a:latin typeface="Bahnschrift SemiBold" panose="020B0502040204020203" pitchFamily="34" charset="0"/>
+                <a:ea typeface="Instrument Sans Semi Bold" pitchFamily="34" charset="-122"/>
+                <a:cs typeface="Instrument Sans Semi Bold" pitchFamily="34" charset="-120"/>
+              </a:rPr>
+              <a:t>Бирюко</a:t>
+            </a:r>
+            <a:r>
+              <a:rPr lang="ru-RU" sz="2000" dirty="0" smtClean="0">
+                <a:solidFill>
+                  <a:schemeClr val="bg2">
+                    <a:lumMod val="10000"/>
+                  </a:schemeClr>
+                </a:solidFill>
+                <a:latin typeface="Bahnschrift SemiBold" panose="020B0502040204020203" pitchFamily="34" charset="0"/>
+                <a:ea typeface="Instrument Sans Semi Bold" pitchFamily="34" charset="-122"/>
+                <a:cs typeface="Instrument Sans Semi Bold" pitchFamily="34" charset="-120"/>
+              </a:rPr>
+              <a:t>в В. А.</a:t>
+            </a:r>
+          </a:p>
+          <a:p>
+            <a:r>
+              <a:rPr lang="ru-RU" sz="2000" dirty="0" smtClean="0">
+                <a:solidFill>
+                  <a:schemeClr val="bg2">
+                    <a:lumMod val="10000"/>
+                  </a:schemeClr>
+                </a:solidFill>
+                <a:latin typeface="Bahnschrift SemiBold" panose="020B0502040204020203" pitchFamily="34" charset="0"/>
+                <a:ea typeface="Instrument Sans Semi Bold" pitchFamily="34" charset="-122"/>
+                <a:cs typeface="Instrument Sans Semi Bold" pitchFamily="34" charset="-120"/>
+              </a:rPr>
+              <a:t>Эйсмонт А. </a:t>
+            </a:r>
+            <a:r>
+              <a:rPr lang="ru-RU" sz="2000" dirty="0" smtClean="0">
+                <a:solidFill>
+                  <a:schemeClr val="bg2">
+                    <a:lumMod val="10000"/>
+                  </a:schemeClr>
+                </a:solidFill>
+                <a:latin typeface="Bahnschrift SemiBold" panose="020B0502040204020203" pitchFamily="34" charset="0"/>
+                <a:ea typeface="Instrument Sans Semi Bold" pitchFamily="34" charset="-122"/>
+                <a:cs typeface="Instrument Sans Semi Bold" pitchFamily="34" charset="-120"/>
+              </a:rPr>
+              <a:t>Ю.</a:t>
+            </a:r>
+            <a:endParaRPr lang="en-US" sz="2000" dirty="0">
+              <a:solidFill>
+                <a:schemeClr val="bg2">
+                  <a:lumMod val="10000"/>
+                </a:schemeClr>
+              </a:solidFill>
+              <a:latin typeface="Bahnschrift SemiBold" panose="020B0502040204020203" pitchFamily="34" charset="0"/>
+              <a:ea typeface="Instrument Sans Semi Bold" pitchFamily="34" charset="-122"/>
+              <a:cs typeface="Instrument Sans Semi Bold" pitchFamily="34" charset="-120"/>
+            </a:endParaRPr>
           </a:p>
         </p:txBody>
       </p:sp>
